--- a/ppt 16-9/1166.归应许地.pptx
+++ b/ppt 16-9/1166.归应许地.pptx
@@ -5,7 +5,7 @@
     <p:sldMasterId id="2147483648" r:id="rId1"/>
   </p:sldMasterIdLst>
   <p:sldIdLst>
-    <p:sldId id="670" r:id="rId2"/>
+    <p:sldId id="671" r:id="rId2"/>
   </p:sldIdLst>
   <p:sldSz cx="12192000" cy="6858000"/>
   <p:notesSz cx="6858000" cy="9144000"/>
@@ -129,7 +129,7 @@
           <p:cNvPr id="2" name="标题 1">
             <a:extLst>
               <a:ext uri="{FF2B5EF4-FFF2-40B4-BE49-F238E27FC236}">
-                <a16:creationId xmlns:a16="http://schemas.microsoft.com/office/drawing/2014/main" id="{B84528AF-4BA1-A7F8-F5BF-E1DB45C69D37}"/>
+                <a16:creationId xmlns:a16="http://schemas.microsoft.com/office/drawing/2014/main" id="{1C8387F2-FC79-C989-8379-FE14EF05E634}"/>
               </a:ext>
             </a:extLst>
           </p:cNvPr>
@@ -166,7 +166,7 @@
           <p:cNvPr id="3" name="副标题 2">
             <a:extLst>
               <a:ext uri="{FF2B5EF4-FFF2-40B4-BE49-F238E27FC236}">
-                <a16:creationId xmlns:a16="http://schemas.microsoft.com/office/drawing/2014/main" id="{347BAFF3-83D2-D037-BD41-45479ABFBBFB}"/>
+                <a16:creationId xmlns:a16="http://schemas.microsoft.com/office/drawing/2014/main" id="{05E0D67A-870F-9659-2F41-62EAB1BE429A}"/>
               </a:ext>
             </a:extLst>
           </p:cNvPr>
@@ -236,7 +236,7 @@
           <p:cNvPr id="4" name="日期占位符 3">
             <a:extLst>
               <a:ext uri="{FF2B5EF4-FFF2-40B4-BE49-F238E27FC236}">
-                <a16:creationId xmlns:a16="http://schemas.microsoft.com/office/drawing/2014/main" id="{57E576B2-9766-8259-F6F3-ACD329F0D78A}"/>
+                <a16:creationId xmlns:a16="http://schemas.microsoft.com/office/drawing/2014/main" id="{EA6B6429-609B-992F-44A3-90B1A065AB3E}"/>
               </a:ext>
             </a:extLst>
           </p:cNvPr>
@@ -252,7 +252,7 @@
           <a:bodyPr/>
           <a:lstStyle/>
           <a:p>
-            <a:fld id="{413B4E05-3450-4558-B127-EAE5E429B137}" type="datetimeFigureOut">
+            <a:fld id="{7BDA9888-9CDC-4097-BD08-D5DEB229120F}" type="datetimeFigureOut">
               <a:rPr lang="zh-CN" altLang="en-US" smtClean="0"/>
               <a:t>2024/3/10</a:t>
             </a:fld>
@@ -265,7 +265,7 @@
           <p:cNvPr id="5" name="页脚占位符 4">
             <a:extLst>
               <a:ext uri="{FF2B5EF4-FFF2-40B4-BE49-F238E27FC236}">
-                <a16:creationId xmlns:a16="http://schemas.microsoft.com/office/drawing/2014/main" id="{288DAB36-E61A-75FA-D24B-240C52D58EFB}"/>
+                <a16:creationId xmlns:a16="http://schemas.microsoft.com/office/drawing/2014/main" id="{EB5432B9-DA1B-7D2C-E594-AB247FC4461F}"/>
               </a:ext>
             </a:extLst>
           </p:cNvPr>
@@ -290,7 +290,7 @@
           <p:cNvPr id="6" name="灯片编号占位符 5">
             <a:extLst>
               <a:ext uri="{FF2B5EF4-FFF2-40B4-BE49-F238E27FC236}">
-                <a16:creationId xmlns:a16="http://schemas.microsoft.com/office/drawing/2014/main" id="{FDBFBBC8-1245-BD34-047F-355C895C0738}"/>
+                <a16:creationId xmlns:a16="http://schemas.microsoft.com/office/drawing/2014/main" id="{58189830-3590-26C4-7060-E0850D8A7F0C}"/>
               </a:ext>
             </a:extLst>
           </p:cNvPr>
@@ -306,7 +306,7 @@
           <a:bodyPr/>
           <a:lstStyle/>
           <a:p>
-            <a:fld id="{A46C7A86-24A3-4816-ADEA-FAF81C0D26B7}" type="slidenum">
+            <a:fld id="{D49DD641-FD3A-480E-8F6C-F7BC3A83B12F}" type="slidenum">
               <a:rPr lang="zh-CN" altLang="en-US" smtClean="0"/>
               <a:t>‹#›</a:t>
             </a:fld>
@@ -317,7 +317,7 @@
     </p:spTree>
     <p:extLst>
       <p:ext uri="{BB962C8B-B14F-4D97-AF65-F5344CB8AC3E}">
-        <p14:creationId xmlns:p14="http://schemas.microsoft.com/office/powerpoint/2010/main" val="4118494769"/>
+        <p14:creationId xmlns:p14="http://schemas.microsoft.com/office/powerpoint/2010/main" val="1382895701"/>
       </p:ext>
     </p:extLst>
   </p:cSld>
@@ -349,7 +349,7 @@
           <p:cNvPr id="2" name="标题 1">
             <a:extLst>
               <a:ext uri="{FF2B5EF4-FFF2-40B4-BE49-F238E27FC236}">
-                <a16:creationId xmlns:a16="http://schemas.microsoft.com/office/drawing/2014/main" id="{F6EDA23B-807E-0196-3D0C-FEEA59D43965}"/>
+                <a16:creationId xmlns:a16="http://schemas.microsoft.com/office/drawing/2014/main" id="{6E27A3AF-C44A-8876-7F7A-9E4B65C156E6}"/>
               </a:ext>
             </a:extLst>
           </p:cNvPr>
@@ -377,7 +377,7 @@
           <p:cNvPr id="3" name="竖排文字占位符 2">
             <a:extLst>
               <a:ext uri="{FF2B5EF4-FFF2-40B4-BE49-F238E27FC236}">
-                <a16:creationId xmlns:a16="http://schemas.microsoft.com/office/drawing/2014/main" id="{1AE5C186-FE33-5F02-C17C-33D3B41582FD}"/>
+                <a16:creationId xmlns:a16="http://schemas.microsoft.com/office/drawing/2014/main" id="{1F5EB09D-DDF6-BF67-FC63-14886D715056}"/>
               </a:ext>
             </a:extLst>
           </p:cNvPr>
@@ -434,7 +434,7 @@
           <p:cNvPr id="4" name="日期占位符 3">
             <a:extLst>
               <a:ext uri="{FF2B5EF4-FFF2-40B4-BE49-F238E27FC236}">
-                <a16:creationId xmlns:a16="http://schemas.microsoft.com/office/drawing/2014/main" id="{D309A516-9B7E-1682-FD1D-A0AD6C03923A}"/>
+                <a16:creationId xmlns:a16="http://schemas.microsoft.com/office/drawing/2014/main" id="{9F718E60-E90C-76AF-5BC4-151C897AFB32}"/>
               </a:ext>
             </a:extLst>
           </p:cNvPr>
@@ -450,7 +450,7 @@
           <a:bodyPr/>
           <a:lstStyle/>
           <a:p>
-            <a:fld id="{413B4E05-3450-4558-B127-EAE5E429B137}" type="datetimeFigureOut">
+            <a:fld id="{7BDA9888-9CDC-4097-BD08-D5DEB229120F}" type="datetimeFigureOut">
               <a:rPr lang="zh-CN" altLang="en-US" smtClean="0"/>
               <a:t>2024/3/10</a:t>
             </a:fld>
@@ -463,7 +463,7 @@
           <p:cNvPr id="5" name="页脚占位符 4">
             <a:extLst>
               <a:ext uri="{FF2B5EF4-FFF2-40B4-BE49-F238E27FC236}">
-                <a16:creationId xmlns:a16="http://schemas.microsoft.com/office/drawing/2014/main" id="{CF743949-91B2-1AA9-8185-68DCEC1937D9}"/>
+                <a16:creationId xmlns:a16="http://schemas.microsoft.com/office/drawing/2014/main" id="{E2E30235-C35C-478A-30BF-1D86BCC7AB4A}"/>
               </a:ext>
             </a:extLst>
           </p:cNvPr>
@@ -488,7 +488,7 @@
           <p:cNvPr id="6" name="灯片编号占位符 5">
             <a:extLst>
               <a:ext uri="{FF2B5EF4-FFF2-40B4-BE49-F238E27FC236}">
-                <a16:creationId xmlns:a16="http://schemas.microsoft.com/office/drawing/2014/main" id="{D9986FF8-C76C-A444-84E3-C129CE54CDBA}"/>
+                <a16:creationId xmlns:a16="http://schemas.microsoft.com/office/drawing/2014/main" id="{14B4414F-BB7D-05B7-9ECA-BE90B707C62D}"/>
               </a:ext>
             </a:extLst>
           </p:cNvPr>
@@ -504,7 +504,7 @@
           <a:bodyPr/>
           <a:lstStyle/>
           <a:p>
-            <a:fld id="{A46C7A86-24A3-4816-ADEA-FAF81C0D26B7}" type="slidenum">
+            <a:fld id="{D49DD641-FD3A-480E-8F6C-F7BC3A83B12F}" type="slidenum">
               <a:rPr lang="zh-CN" altLang="en-US" smtClean="0"/>
               <a:t>‹#›</a:t>
             </a:fld>
@@ -515,7 +515,7 @@
     </p:spTree>
     <p:extLst>
       <p:ext uri="{BB962C8B-B14F-4D97-AF65-F5344CB8AC3E}">
-        <p14:creationId xmlns:p14="http://schemas.microsoft.com/office/powerpoint/2010/main" val="3943780127"/>
+        <p14:creationId xmlns:p14="http://schemas.microsoft.com/office/powerpoint/2010/main" val="2241227474"/>
       </p:ext>
     </p:extLst>
   </p:cSld>
@@ -547,7 +547,7 @@
           <p:cNvPr id="2" name="竖排标题 1">
             <a:extLst>
               <a:ext uri="{FF2B5EF4-FFF2-40B4-BE49-F238E27FC236}">
-                <a16:creationId xmlns:a16="http://schemas.microsoft.com/office/drawing/2014/main" id="{7D8FD54C-A114-B2D8-BD0D-292A408EF3CB}"/>
+                <a16:creationId xmlns:a16="http://schemas.microsoft.com/office/drawing/2014/main" id="{2658AF62-10D9-B214-8911-AE88DA415C14}"/>
               </a:ext>
             </a:extLst>
           </p:cNvPr>
@@ -580,7 +580,7 @@
           <p:cNvPr id="3" name="竖排文字占位符 2">
             <a:extLst>
               <a:ext uri="{FF2B5EF4-FFF2-40B4-BE49-F238E27FC236}">
-                <a16:creationId xmlns:a16="http://schemas.microsoft.com/office/drawing/2014/main" id="{19E02BE1-1B60-605C-1125-59F7F5FBC540}"/>
+                <a16:creationId xmlns:a16="http://schemas.microsoft.com/office/drawing/2014/main" id="{8EEF1DFD-91E8-5FEC-E3D0-BADE33AC11BA}"/>
               </a:ext>
             </a:extLst>
           </p:cNvPr>
@@ -642,7 +642,7 @@
           <p:cNvPr id="4" name="日期占位符 3">
             <a:extLst>
               <a:ext uri="{FF2B5EF4-FFF2-40B4-BE49-F238E27FC236}">
-                <a16:creationId xmlns:a16="http://schemas.microsoft.com/office/drawing/2014/main" id="{3D3A0275-906D-678C-65AE-658F85B99885}"/>
+                <a16:creationId xmlns:a16="http://schemas.microsoft.com/office/drawing/2014/main" id="{BAA8BCF2-48FA-45E7-B8E6-B52D2D0E182E}"/>
               </a:ext>
             </a:extLst>
           </p:cNvPr>
@@ -658,7 +658,7 @@
           <a:bodyPr/>
           <a:lstStyle/>
           <a:p>
-            <a:fld id="{413B4E05-3450-4558-B127-EAE5E429B137}" type="datetimeFigureOut">
+            <a:fld id="{7BDA9888-9CDC-4097-BD08-D5DEB229120F}" type="datetimeFigureOut">
               <a:rPr lang="zh-CN" altLang="en-US" smtClean="0"/>
               <a:t>2024/3/10</a:t>
             </a:fld>
@@ -671,7 +671,7 @@
           <p:cNvPr id="5" name="页脚占位符 4">
             <a:extLst>
               <a:ext uri="{FF2B5EF4-FFF2-40B4-BE49-F238E27FC236}">
-                <a16:creationId xmlns:a16="http://schemas.microsoft.com/office/drawing/2014/main" id="{65FB3BC8-A6EC-0449-2CDB-14A91ED12AA3}"/>
+                <a16:creationId xmlns:a16="http://schemas.microsoft.com/office/drawing/2014/main" id="{0A110B9A-8A6B-126E-8962-B6470D45E7C3}"/>
               </a:ext>
             </a:extLst>
           </p:cNvPr>
@@ -696,7 +696,7 @@
           <p:cNvPr id="6" name="灯片编号占位符 5">
             <a:extLst>
               <a:ext uri="{FF2B5EF4-FFF2-40B4-BE49-F238E27FC236}">
-                <a16:creationId xmlns:a16="http://schemas.microsoft.com/office/drawing/2014/main" id="{949B7586-AB91-AA0F-20C3-E428CE2DFA1B}"/>
+                <a16:creationId xmlns:a16="http://schemas.microsoft.com/office/drawing/2014/main" id="{C1BA4EB6-732D-49BE-F17F-909BDBB9534A}"/>
               </a:ext>
             </a:extLst>
           </p:cNvPr>
@@ -712,7 +712,7 @@
           <a:bodyPr/>
           <a:lstStyle/>
           <a:p>
-            <a:fld id="{A46C7A86-24A3-4816-ADEA-FAF81C0D26B7}" type="slidenum">
+            <a:fld id="{D49DD641-FD3A-480E-8F6C-F7BC3A83B12F}" type="slidenum">
               <a:rPr lang="zh-CN" altLang="en-US" smtClean="0"/>
               <a:t>‹#›</a:t>
             </a:fld>
@@ -723,7 +723,7 @@
     </p:spTree>
     <p:extLst>
       <p:ext uri="{BB962C8B-B14F-4D97-AF65-F5344CB8AC3E}">
-        <p14:creationId xmlns:p14="http://schemas.microsoft.com/office/powerpoint/2010/main" val="3921314500"/>
+        <p14:creationId xmlns:p14="http://schemas.microsoft.com/office/powerpoint/2010/main" val="3750615175"/>
       </p:ext>
     </p:extLst>
   </p:cSld>
@@ -755,7 +755,7 @@
           <p:cNvPr id="2" name="标题 1">
             <a:extLst>
               <a:ext uri="{FF2B5EF4-FFF2-40B4-BE49-F238E27FC236}">
-                <a16:creationId xmlns:a16="http://schemas.microsoft.com/office/drawing/2014/main" id="{A8103414-2418-B067-77D1-4820BA4BCD34}"/>
+                <a16:creationId xmlns:a16="http://schemas.microsoft.com/office/drawing/2014/main" id="{B322AFA9-3575-10EF-A9FB-CA9606A7309F}"/>
               </a:ext>
             </a:extLst>
           </p:cNvPr>
@@ -783,7 +783,7 @@
           <p:cNvPr id="3" name="内容占位符 2">
             <a:extLst>
               <a:ext uri="{FF2B5EF4-FFF2-40B4-BE49-F238E27FC236}">
-                <a16:creationId xmlns:a16="http://schemas.microsoft.com/office/drawing/2014/main" id="{D944CDF0-EE15-94BA-B726-620A887A9164}"/>
+                <a16:creationId xmlns:a16="http://schemas.microsoft.com/office/drawing/2014/main" id="{D261AAFD-6738-628E-1E5D-3CC510AD9F44}"/>
               </a:ext>
             </a:extLst>
           </p:cNvPr>
@@ -840,7 +840,7 @@
           <p:cNvPr id="4" name="日期占位符 3">
             <a:extLst>
               <a:ext uri="{FF2B5EF4-FFF2-40B4-BE49-F238E27FC236}">
-                <a16:creationId xmlns:a16="http://schemas.microsoft.com/office/drawing/2014/main" id="{F922729E-B310-B892-7F90-D61965531611}"/>
+                <a16:creationId xmlns:a16="http://schemas.microsoft.com/office/drawing/2014/main" id="{395CC765-295A-7231-F809-0F1C0BF26A42}"/>
               </a:ext>
             </a:extLst>
           </p:cNvPr>
@@ -856,7 +856,7 @@
           <a:bodyPr/>
           <a:lstStyle/>
           <a:p>
-            <a:fld id="{413B4E05-3450-4558-B127-EAE5E429B137}" type="datetimeFigureOut">
+            <a:fld id="{7BDA9888-9CDC-4097-BD08-D5DEB229120F}" type="datetimeFigureOut">
               <a:rPr lang="zh-CN" altLang="en-US" smtClean="0"/>
               <a:t>2024/3/10</a:t>
             </a:fld>
@@ -869,7 +869,7 @@
           <p:cNvPr id="5" name="页脚占位符 4">
             <a:extLst>
               <a:ext uri="{FF2B5EF4-FFF2-40B4-BE49-F238E27FC236}">
-                <a16:creationId xmlns:a16="http://schemas.microsoft.com/office/drawing/2014/main" id="{D03A5682-8C25-75B1-375A-0A624DB1E608}"/>
+                <a16:creationId xmlns:a16="http://schemas.microsoft.com/office/drawing/2014/main" id="{B1F7CAAF-BD03-6398-31FF-03AF3DF73698}"/>
               </a:ext>
             </a:extLst>
           </p:cNvPr>
@@ -894,7 +894,7 @@
           <p:cNvPr id="6" name="灯片编号占位符 5">
             <a:extLst>
               <a:ext uri="{FF2B5EF4-FFF2-40B4-BE49-F238E27FC236}">
-                <a16:creationId xmlns:a16="http://schemas.microsoft.com/office/drawing/2014/main" id="{E712E73D-3344-6BCC-4E53-1D8D58494C66}"/>
+                <a16:creationId xmlns:a16="http://schemas.microsoft.com/office/drawing/2014/main" id="{62B741B2-DEB8-2630-5309-60C6247B9D38}"/>
               </a:ext>
             </a:extLst>
           </p:cNvPr>
@@ -910,7 +910,7 @@
           <a:bodyPr/>
           <a:lstStyle/>
           <a:p>
-            <a:fld id="{A46C7A86-24A3-4816-ADEA-FAF81C0D26B7}" type="slidenum">
+            <a:fld id="{D49DD641-FD3A-480E-8F6C-F7BC3A83B12F}" type="slidenum">
               <a:rPr lang="zh-CN" altLang="en-US" smtClean="0"/>
               <a:t>‹#›</a:t>
             </a:fld>
@@ -921,7 +921,7 @@
     </p:spTree>
     <p:extLst>
       <p:ext uri="{BB962C8B-B14F-4D97-AF65-F5344CB8AC3E}">
-        <p14:creationId xmlns:p14="http://schemas.microsoft.com/office/powerpoint/2010/main" val="939633799"/>
+        <p14:creationId xmlns:p14="http://schemas.microsoft.com/office/powerpoint/2010/main" val="555120007"/>
       </p:ext>
     </p:extLst>
   </p:cSld>
@@ -953,7 +953,7 @@
           <p:cNvPr id="2" name="标题 1">
             <a:extLst>
               <a:ext uri="{FF2B5EF4-FFF2-40B4-BE49-F238E27FC236}">
-                <a16:creationId xmlns:a16="http://schemas.microsoft.com/office/drawing/2014/main" id="{B95A0A1D-9337-1371-5EA1-2DF020F79F3C}"/>
+                <a16:creationId xmlns:a16="http://schemas.microsoft.com/office/drawing/2014/main" id="{FC1DD3A5-43CB-374B-93B1-7D26D5B73E7B}"/>
               </a:ext>
             </a:extLst>
           </p:cNvPr>
@@ -990,7 +990,7 @@
           <p:cNvPr id="3" name="文本占位符 2">
             <a:extLst>
               <a:ext uri="{FF2B5EF4-FFF2-40B4-BE49-F238E27FC236}">
-                <a16:creationId xmlns:a16="http://schemas.microsoft.com/office/drawing/2014/main" id="{3D87A135-42E2-1FAC-B1AF-E582A9743B96}"/>
+                <a16:creationId xmlns:a16="http://schemas.microsoft.com/office/drawing/2014/main" id="{4254C93B-2924-4501-BD18-71F0FA4DAF35}"/>
               </a:ext>
             </a:extLst>
           </p:cNvPr>
@@ -1115,7 +1115,7 @@
           <p:cNvPr id="4" name="日期占位符 3">
             <a:extLst>
               <a:ext uri="{FF2B5EF4-FFF2-40B4-BE49-F238E27FC236}">
-                <a16:creationId xmlns:a16="http://schemas.microsoft.com/office/drawing/2014/main" id="{97D96591-55C1-9EE7-92F7-106BF2A18EFA}"/>
+                <a16:creationId xmlns:a16="http://schemas.microsoft.com/office/drawing/2014/main" id="{A3B2CE74-7848-34B2-A9FB-1E30E1BD10AB}"/>
               </a:ext>
             </a:extLst>
           </p:cNvPr>
@@ -1131,7 +1131,7 @@
           <a:bodyPr/>
           <a:lstStyle/>
           <a:p>
-            <a:fld id="{413B4E05-3450-4558-B127-EAE5E429B137}" type="datetimeFigureOut">
+            <a:fld id="{7BDA9888-9CDC-4097-BD08-D5DEB229120F}" type="datetimeFigureOut">
               <a:rPr lang="zh-CN" altLang="en-US" smtClean="0"/>
               <a:t>2024/3/10</a:t>
             </a:fld>
@@ -1144,7 +1144,7 @@
           <p:cNvPr id="5" name="页脚占位符 4">
             <a:extLst>
               <a:ext uri="{FF2B5EF4-FFF2-40B4-BE49-F238E27FC236}">
-                <a16:creationId xmlns:a16="http://schemas.microsoft.com/office/drawing/2014/main" id="{028DF468-9F4A-B8C1-AC0F-F226EDC633A0}"/>
+                <a16:creationId xmlns:a16="http://schemas.microsoft.com/office/drawing/2014/main" id="{47FD3DF1-5BCC-6147-1627-8D1F0B1FE467}"/>
               </a:ext>
             </a:extLst>
           </p:cNvPr>
@@ -1169,7 +1169,7 @@
           <p:cNvPr id="6" name="灯片编号占位符 5">
             <a:extLst>
               <a:ext uri="{FF2B5EF4-FFF2-40B4-BE49-F238E27FC236}">
-                <a16:creationId xmlns:a16="http://schemas.microsoft.com/office/drawing/2014/main" id="{D3278EE2-2B9B-76B1-509E-D931F7F1F6F9}"/>
+                <a16:creationId xmlns:a16="http://schemas.microsoft.com/office/drawing/2014/main" id="{96974DDC-CBCA-548E-A4DD-09699E467A49}"/>
               </a:ext>
             </a:extLst>
           </p:cNvPr>
@@ -1185,7 +1185,7 @@
           <a:bodyPr/>
           <a:lstStyle/>
           <a:p>
-            <a:fld id="{A46C7A86-24A3-4816-ADEA-FAF81C0D26B7}" type="slidenum">
+            <a:fld id="{D49DD641-FD3A-480E-8F6C-F7BC3A83B12F}" type="slidenum">
               <a:rPr lang="zh-CN" altLang="en-US" smtClean="0"/>
               <a:t>‹#›</a:t>
             </a:fld>
@@ -1196,7 +1196,7 @@
     </p:spTree>
     <p:extLst>
       <p:ext uri="{BB962C8B-B14F-4D97-AF65-F5344CB8AC3E}">
-        <p14:creationId xmlns:p14="http://schemas.microsoft.com/office/powerpoint/2010/main" val="1329924522"/>
+        <p14:creationId xmlns:p14="http://schemas.microsoft.com/office/powerpoint/2010/main" val="639989829"/>
       </p:ext>
     </p:extLst>
   </p:cSld>
@@ -1228,7 +1228,7 @@
           <p:cNvPr id="2" name="标题 1">
             <a:extLst>
               <a:ext uri="{FF2B5EF4-FFF2-40B4-BE49-F238E27FC236}">
-                <a16:creationId xmlns:a16="http://schemas.microsoft.com/office/drawing/2014/main" id="{A970BACA-85DB-098E-D4F7-A37D7AA00F7C}"/>
+                <a16:creationId xmlns:a16="http://schemas.microsoft.com/office/drawing/2014/main" id="{023D13FE-1780-44A6-B2EB-8721ACD6D312}"/>
               </a:ext>
             </a:extLst>
           </p:cNvPr>
@@ -1256,7 +1256,7 @@
           <p:cNvPr id="3" name="内容占位符 2">
             <a:extLst>
               <a:ext uri="{FF2B5EF4-FFF2-40B4-BE49-F238E27FC236}">
-                <a16:creationId xmlns:a16="http://schemas.microsoft.com/office/drawing/2014/main" id="{07610F92-7E4C-F545-C144-002058685A80}"/>
+                <a16:creationId xmlns:a16="http://schemas.microsoft.com/office/drawing/2014/main" id="{746DA7BF-E173-73B7-8655-E1B3CD38A194}"/>
               </a:ext>
             </a:extLst>
           </p:cNvPr>
@@ -1318,7 +1318,7 @@
           <p:cNvPr id="4" name="内容占位符 3">
             <a:extLst>
               <a:ext uri="{FF2B5EF4-FFF2-40B4-BE49-F238E27FC236}">
-                <a16:creationId xmlns:a16="http://schemas.microsoft.com/office/drawing/2014/main" id="{69647ACA-0426-96C3-C82F-7DCEF2DF7085}"/>
+                <a16:creationId xmlns:a16="http://schemas.microsoft.com/office/drawing/2014/main" id="{6CEF6F74-1A08-654C-8080-77635117D79A}"/>
               </a:ext>
             </a:extLst>
           </p:cNvPr>
@@ -1380,7 +1380,7 @@
           <p:cNvPr id="5" name="日期占位符 4">
             <a:extLst>
               <a:ext uri="{FF2B5EF4-FFF2-40B4-BE49-F238E27FC236}">
-                <a16:creationId xmlns:a16="http://schemas.microsoft.com/office/drawing/2014/main" id="{05AA5290-A108-C73C-6013-280AF4896D8C}"/>
+                <a16:creationId xmlns:a16="http://schemas.microsoft.com/office/drawing/2014/main" id="{68939927-9DF4-C14C-702C-BA5E544F2E5B}"/>
               </a:ext>
             </a:extLst>
           </p:cNvPr>
@@ -1396,7 +1396,7 @@
           <a:bodyPr/>
           <a:lstStyle/>
           <a:p>
-            <a:fld id="{413B4E05-3450-4558-B127-EAE5E429B137}" type="datetimeFigureOut">
+            <a:fld id="{7BDA9888-9CDC-4097-BD08-D5DEB229120F}" type="datetimeFigureOut">
               <a:rPr lang="zh-CN" altLang="en-US" smtClean="0"/>
               <a:t>2024/3/10</a:t>
             </a:fld>
@@ -1409,7 +1409,7 @@
           <p:cNvPr id="6" name="页脚占位符 5">
             <a:extLst>
               <a:ext uri="{FF2B5EF4-FFF2-40B4-BE49-F238E27FC236}">
-                <a16:creationId xmlns:a16="http://schemas.microsoft.com/office/drawing/2014/main" id="{893585EC-12E3-5F86-503F-7CE8C8D36A6B}"/>
+                <a16:creationId xmlns:a16="http://schemas.microsoft.com/office/drawing/2014/main" id="{83471C7B-7BC6-B0DE-A02D-69D6CDA43BA2}"/>
               </a:ext>
             </a:extLst>
           </p:cNvPr>
@@ -1434,7 +1434,7 @@
           <p:cNvPr id="7" name="灯片编号占位符 6">
             <a:extLst>
               <a:ext uri="{FF2B5EF4-FFF2-40B4-BE49-F238E27FC236}">
-                <a16:creationId xmlns:a16="http://schemas.microsoft.com/office/drawing/2014/main" id="{2D400607-1D34-9376-9D20-DCC35D5A1875}"/>
+                <a16:creationId xmlns:a16="http://schemas.microsoft.com/office/drawing/2014/main" id="{7DC09975-B3CA-33F6-29B7-CC30BB331359}"/>
               </a:ext>
             </a:extLst>
           </p:cNvPr>
@@ -1450,7 +1450,7 @@
           <a:bodyPr/>
           <a:lstStyle/>
           <a:p>
-            <a:fld id="{A46C7A86-24A3-4816-ADEA-FAF81C0D26B7}" type="slidenum">
+            <a:fld id="{D49DD641-FD3A-480E-8F6C-F7BC3A83B12F}" type="slidenum">
               <a:rPr lang="zh-CN" altLang="en-US" smtClean="0"/>
               <a:t>‹#›</a:t>
             </a:fld>
@@ -1461,7 +1461,7 @@
     </p:spTree>
     <p:extLst>
       <p:ext uri="{BB962C8B-B14F-4D97-AF65-F5344CB8AC3E}">
-        <p14:creationId xmlns:p14="http://schemas.microsoft.com/office/powerpoint/2010/main" val="2182849620"/>
+        <p14:creationId xmlns:p14="http://schemas.microsoft.com/office/powerpoint/2010/main" val="517137"/>
       </p:ext>
     </p:extLst>
   </p:cSld>
@@ -1493,7 +1493,7 @@
           <p:cNvPr id="2" name="标题 1">
             <a:extLst>
               <a:ext uri="{FF2B5EF4-FFF2-40B4-BE49-F238E27FC236}">
-                <a16:creationId xmlns:a16="http://schemas.microsoft.com/office/drawing/2014/main" id="{BC5F5C5C-8E56-058D-364E-9F1B7887DE43}"/>
+                <a16:creationId xmlns:a16="http://schemas.microsoft.com/office/drawing/2014/main" id="{8D7B1194-1F0B-FF65-7AF9-EE8E8B9E39F5}"/>
               </a:ext>
             </a:extLst>
           </p:cNvPr>
@@ -1526,7 +1526,7 @@
           <p:cNvPr id="3" name="文本占位符 2">
             <a:extLst>
               <a:ext uri="{FF2B5EF4-FFF2-40B4-BE49-F238E27FC236}">
-                <a16:creationId xmlns:a16="http://schemas.microsoft.com/office/drawing/2014/main" id="{7FF8B1AA-B7A9-8319-D5E9-84C037ADF697}"/>
+                <a16:creationId xmlns:a16="http://schemas.microsoft.com/office/drawing/2014/main" id="{0D6E5C87-93A3-F43D-9AB0-317FE3EB2641}"/>
               </a:ext>
             </a:extLst>
           </p:cNvPr>
@@ -1597,7 +1597,7 @@
           <p:cNvPr id="4" name="内容占位符 3">
             <a:extLst>
               <a:ext uri="{FF2B5EF4-FFF2-40B4-BE49-F238E27FC236}">
-                <a16:creationId xmlns:a16="http://schemas.microsoft.com/office/drawing/2014/main" id="{4A413710-C6F5-D841-9281-60DF51AFF296}"/>
+                <a16:creationId xmlns:a16="http://schemas.microsoft.com/office/drawing/2014/main" id="{CF2C897C-972A-531C-467E-139E3C8E31D9}"/>
               </a:ext>
             </a:extLst>
           </p:cNvPr>
@@ -1659,7 +1659,7 @@
           <p:cNvPr id="5" name="文本占位符 4">
             <a:extLst>
               <a:ext uri="{FF2B5EF4-FFF2-40B4-BE49-F238E27FC236}">
-                <a16:creationId xmlns:a16="http://schemas.microsoft.com/office/drawing/2014/main" id="{6B799E02-4B9C-49D5-EEAC-F8045513C681}"/>
+                <a16:creationId xmlns:a16="http://schemas.microsoft.com/office/drawing/2014/main" id="{22F36AA2-A53D-4186-84F6-4477A6C88A02}"/>
               </a:ext>
             </a:extLst>
           </p:cNvPr>
@@ -1730,7 +1730,7 @@
           <p:cNvPr id="6" name="内容占位符 5">
             <a:extLst>
               <a:ext uri="{FF2B5EF4-FFF2-40B4-BE49-F238E27FC236}">
-                <a16:creationId xmlns:a16="http://schemas.microsoft.com/office/drawing/2014/main" id="{21F25DB6-0A8A-9B8C-23AC-797E71CB9D89}"/>
+                <a16:creationId xmlns:a16="http://schemas.microsoft.com/office/drawing/2014/main" id="{15ACF715-FC78-3266-AC6B-E475629AAF31}"/>
               </a:ext>
             </a:extLst>
           </p:cNvPr>
@@ -1792,7 +1792,7 @@
           <p:cNvPr id="7" name="日期占位符 6">
             <a:extLst>
               <a:ext uri="{FF2B5EF4-FFF2-40B4-BE49-F238E27FC236}">
-                <a16:creationId xmlns:a16="http://schemas.microsoft.com/office/drawing/2014/main" id="{C0013636-4334-AE97-8B2D-2FF474CAE3DD}"/>
+                <a16:creationId xmlns:a16="http://schemas.microsoft.com/office/drawing/2014/main" id="{6A560228-01DA-9110-6682-4D02E9BFFF01}"/>
               </a:ext>
             </a:extLst>
           </p:cNvPr>
@@ -1808,7 +1808,7 @@
           <a:bodyPr/>
           <a:lstStyle/>
           <a:p>
-            <a:fld id="{413B4E05-3450-4558-B127-EAE5E429B137}" type="datetimeFigureOut">
+            <a:fld id="{7BDA9888-9CDC-4097-BD08-D5DEB229120F}" type="datetimeFigureOut">
               <a:rPr lang="zh-CN" altLang="en-US" smtClean="0"/>
               <a:t>2024/3/10</a:t>
             </a:fld>
@@ -1821,7 +1821,7 @@
           <p:cNvPr id="8" name="页脚占位符 7">
             <a:extLst>
               <a:ext uri="{FF2B5EF4-FFF2-40B4-BE49-F238E27FC236}">
-                <a16:creationId xmlns:a16="http://schemas.microsoft.com/office/drawing/2014/main" id="{1A42698B-5C39-54C4-1D93-4D584F7AFD0E}"/>
+                <a16:creationId xmlns:a16="http://schemas.microsoft.com/office/drawing/2014/main" id="{A2D7BBCA-20D3-4342-BE23-CFCBA0641175}"/>
               </a:ext>
             </a:extLst>
           </p:cNvPr>
@@ -1846,7 +1846,7 @@
           <p:cNvPr id="9" name="灯片编号占位符 8">
             <a:extLst>
               <a:ext uri="{FF2B5EF4-FFF2-40B4-BE49-F238E27FC236}">
-                <a16:creationId xmlns:a16="http://schemas.microsoft.com/office/drawing/2014/main" id="{906D7A6F-3823-0190-0328-6A7DC1F17215}"/>
+                <a16:creationId xmlns:a16="http://schemas.microsoft.com/office/drawing/2014/main" id="{4E5F1A0D-6566-A6AC-EE4A-3F6AB79AC6D3}"/>
               </a:ext>
             </a:extLst>
           </p:cNvPr>
@@ -1862,7 +1862,7 @@
           <a:bodyPr/>
           <a:lstStyle/>
           <a:p>
-            <a:fld id="{A46C7A86-24A3-4816-ADEA-FAF81C0D26B7}" type="slidenum">
+            <a:fld id="{D49DD641-FD3A-480E-8F6C-F7BC3A83B12F}" type="slidenum">
               <a:rPr lang="zh-CN" altLang="en-US" smtClean="0"/>
               <a:t>‹#›</a:t>
             </a:fld>
@@ -1873,7 +1873,7 @@
     </p:spTree>
     <p:extLst>
       <p:ext uri="{BB962C8B-B14F-4D97-AF65-F5344CB8AC3E}">
-        <p14:creationId xmlns:p14="http://schemas.microsoft.com/office/powerpoint/2010/main" val="872318904"/>
+        <p14:creationId xmlns:p14="http://schemas.microsoft.com/office/powerpoint/2010/main" val="682134061"/>
       </p:ext>
     </p:extLst>
   </p:cSld>
@@ -1905,7 +1905,7 @@
           <p:cNvPr id="2" name="标题 1">
             <a:extLst>
               <a:ext uri="{FF2B5EF4-FFF2-40B4-BE49-F238E27FC236}">
-                <a16:creationId xmlns:a16="http://schemas.microsoft.com/office/drawing/2014/main" id="{C05C1BCC-E048-0BDF-8E97-BEA48D04C82B}"/>
+                <a16:creationId xmlns:a16="http://schemas.microsoft.com/office/drawing/2014/main" id="{35B99ECF-1A05-A39C-059E-3115A8907854}"/>
               </a:ext>
             </a:extLst>
           </p:cNvPr>
@@ -1933,7 +1933,7 @@
           <p:cNvPr id="3" name="日期占位符 2">
             <a:extLst>
               <a:ext uri="{FF2B5EF4-FFF2-40B4-BE49-F238E27FC236}">
-                <a16:creationId xmlns:a16="http://schemas.microsoft.com/office/drawing/2014/main" id="{D7D20890-8EAE-805D-6CED-CC5566966D0D}"/>
+                <a16:creationId xmlns:a16="http://schemas.microsoft.com/office/drawing/2014/main" id="{518AF3E3-5B84-6B2E-6467-5817CB502B07}"/>
               </a:ext>
             </a:extLst>
           </p:cNvPr>
@@ -1949,7 +1949,7 @@
           <a:bodyPr/>
           <a:lstStyle/>
           <a:p>
-            <a:fld id="{413B4E05-3450-4558-B127-EAE5E429B137}" type="datetimeFigureOut">
+            <a:fld id="{7BDA9888-9CDC-4097-BD08-D5DEB229120F}" type="datetimeFigureOut">
               <a:rPr lang="zh-CN" altLang="en-US" smtClean="0"/>
               <a:t>2024/3/10</a:t>
             </a:fld>
@@ -1962,7 +1962,7 @@
           <p:cNvPr id="4" name="页脚占位符 3">
             <a:extLst>
               <a:ext uri="{FF2B5EF4-FFF2-40B4-BE49-F238E27FC236}">
-                <a16:creationId xmlns:a16="http://schemas.microsoft.com/office/drawing/2014/main" id="{708918FD-8981-5EB2-1461-EC4DAEE1B27D}"/>
+                <a16:creationId xmlns:a16="http://schemas.microsoft.com/office/drawing/2014/main" id="{E897B20A-8275-A7E8-1DEE-2F023A0D24DB}"/>
               </a:ext>
             </a:extLst>
           </p:cNvPr>
@@ -1987,7 +1987,7 @@
           <p:cNvPr id="5" name="灯片编号占位符 4">
             <a:extLst>
               <a:ext uri="{FF2B5EF4-FFF2-40B4-BE49-F238E27FC236}">
-                <a16:creationId xmlns:a16="http://schemas.microsoft.com/office/drawing/2014/main" id="{D882729A-F9F7-3299-1F38-AC7D14AB759A}"/>
+                <a16:creationId xmlns:a16="http://schemas.microsoft.com/office/drawing/2014/main" id="{5346336C-59B5-A422-F9B1-2495589D9697}"/>
               </a:ext>
             </a:extLst>
           </p:cNvPr>
@@ -2003,7 +2003,7 @@
           <a:bodyPr/>
           <a:lstStyle/>
           <a:p>
-            <a:fld id="{A46C7A86-24A3-4816-ADEA-FAF81C0D26B7}" type="slidenum">
+            <a:fld id="{D49DD641-FD3A-480E-8F6C-F7BC3A83B12F}" type="slidenum">
               <a:rPr lang="zh-CN" altLang="en-US" smtClean="0"/>
               <a:t>‹#›</a:t>
             </a:fld>
@@ -2014,7 +2014,7 @@
     </p:spTree>
     <p:extLst>
       <p:ext uri="{BB962C8B-B14F-4D97-AF65-F5344CB8AC3E}">
-        <p14:creationId xmlns:p14="http://schemas.microsoft.com/office/powerpoint/2010/main" val="93736814"/>
+        <p14:creationId xmlns:p14="http://schemas.microsoft.com/office/powerpoint/2010/main" val="1587275571"/>
       </p:ext>
     </p:extLst>
   </p:cSld>
@@ -2046,7 +2046,7 @@
           <p:cNvPr id="2" name="日期占位符 1">
             <a:extLst>
               <a:ext uri="{FF2B5EF4-FFF2-40B4-BE49-F238E27FC236}">
-                <a16:creationId xmlns:a16="http://schemas.microsoft.com/office/drawing/2014/main" id="{EF3975AF-DCDB-E6EB-2D0D-018855C9D34F}"/>
+                <a16:creationId xmlns:a16="http://schemas.microsoft.com/office/drawing/2014/main" id="{61587090-F2D0-5B99-11F3-6118D10B0253}"/>
               </a:ext>
             </a:extLst>
           </p:cNvPr>
@@ -2062,7 +2062,7 @@
           <a:bodyPr/>
           <a:lstStyle/>
           <a:p>
-            <a:fld id="{413B4E05-3450-4558-B127-EAE5E429B137}" type="datetimeFigureOut">
+            <a:fld id="{7BDA9888-9CDC-4097-BD08-D5DEB229120F}" type="datetimeFigureOut">
               <a:rPr lang="zh-CN" altLang="en-US" smtClean="0"/>
               <a:t>2024/3/10</a:t>
             </a:fld>
@@ -2075,7 +2075,7 @@
           <p:cNvPr id="3" name="页脚占位符 2">
             <a:extLst>
               <a:ext uri="{FF2B5EF4-FFF2-40B4-BE49-F238E27FC236}">
-                <a16:creationId xmlns:a16="http://schemas.microsoft.com/office/drawing/2014/main" id="{629AE674-7144-1396-794E-8EA68D1C6A54}"/>
+                <a16:creationId xmlns:a16="http://schemas.microsoft.com/office/drawing/2014/main" id="{3E880132-A32D-AC9D-2DAB-1606DEBAE504}"/>
               </a:ext>
             </a:extLst>
           </p:cNvPr>
@@ -2100,7 +2100,7 @@
           <p:cNvPr id="4" name="灯片编号占位符 3">
             <a:extLst>
               <a:ext uri="{FF2B5EF4-FFF2-40B4-BE49-F238E27FC236}">
-                <a16:creationId xmlns:a16="http://schemas.microsoft.com/office/drawing/2014/main" id="{BC773BBB-75F3-CBC3-F25D-9A9F58458B6C}"/>
+                <a16:creationId xmlns:a16="http://schemas.microsoft.com/office/drawing/2014/main" id="{C32D0BE3-2196-5C37-5D4B-C8935BC766FC}"/>
               </a:ext>
             </a:extLst>
           </p:cNvPr>
@@ -2116,7 +2116,7 @@
           <a:bodyPr/>
           <a:lstStyle/>
           <a:p>
-            <a:fld id="{A46C7A86-24A3-4816-ADEA-FAF81C0D26B7}" type="slidenum">
+            <a:fld id="{D49DD641-FD3A-480E-8F6C-F7BC3A83B12F}" type="slidenum">
               <a:rPr lang="zh-CN" altLang="en-US" smtClean="0"/>
               <a:t>‹#›</a:t>
             </a:fld>
@@ -2127,7 +2127,7 @@
     </p:spTree>
     <p:extLst>
       <p:ext uri="{BB962C8B-B14F-4D97-AF65-F5344CB8AC3E}">
-        <p14:creationId xmlns:p14="http://schemas.microsoft.com/office/powerpoint/2010/main" val="2553400488"/>
+        <p14:creationId xmlns:p14="http://schemas.microsoft.com/office/powerpoint/2010/main" val="549399423"/>
       </p:ext>
     </p:extLst>
   </p:cSld>
@@ -2159,7 +2159,7 @@
           <p:cNvPr id="2" name="标题 1">
             <a:extLst>
               <a:ext uri="{FF2B5EF4-FFF2-40B4-BE49-F238E27FC236}">
-                <a16:creationId xmlns:a16="http://schemas.microsoft.com/office/drawing/2014/main" id="{A9C238D4-85D7-F541-5CBD-5A49EC380FF2}"/>
+                <a16:creationId xmlns:a16="http://schemas.microsoft.com/office/drawing/2014/main" id="{B6258BF1-8741-73F4-7261-DEEC1EDBBE7B}"/>
               </a:ext>
             </a:extLst>
           </p:cNvPr>
@@ -2196,7 +2196,7 @@
           <p:cNvPr id="3" name="内容占位符 2">
             <a:extLst>
               <a:ext uri="{FF2B5EF4-FFF2-40B4-BE49-F238E27FC236}">
-                <a16:creationId xmlns:a16="http://schemas.microsoft.com/office/drawing/2014/main" id="{7CE5A0DB-273E-915B-5821-39A6A6E23E87}"/>
+                <a16:creationId xmlns:a16="http://schemas.microsoft.com/office/drawing/2014/main" id="{DDEC1081-D08B-D55C-A95E-9DCB3F9C5066}"/>
               </a:ext>
             </a:extLst>
           </p:cNvPr>
@@ -2286,7 +2286,7 @@
           <p:cNvPr id="4" name="文本占位符 3">
             <a:extLst>
               <a:ext uri="{FF2B5EF4-FFF2-40B4-BE49-F238E27FC236}">
-                <a16:creationId xmlns:a16="http://schemas.microsoft.com/office/drawing/2014/main" id="{4F625428-8705-5DAE-4D1A-71C38E14EAE8}"/>
+                <a16:creationId xmlns:a16="http://schemas.microsoft.com/office/drawing/2014/main" id="{BA59BC8E-AFD9-F2AE-60A7-3710CCC9382E}"/>
               </a:ext>
             </a:extLst>
           </p:cNvPr>
@@ -2357,7 +2357,7 @@
           <p:cNvPr id="5" name="日期占位符 4">
             <a:extLst>
               <a:ext uri="{FF2B5EF4-FFF2-40B4-BE49-F238E27FC236}">
-                <a16:creationId xmlns:a16="http://schemas.microsoft.com/office/drawing/2014/main" id="{3494B91D-31F9-378D-E4D2-A06D4CD705A0}"/>
+                <a16:creationId xmlns:a16="http://schemas.microsoft.com/office/drawing/2014/main" id="{D90DCB81-D9AD-15B4-C8DF-14993644F8F4}"/>
               </a:ext>
             </a:extLst>
           </p:cNvPr>
@@ -2373,7 +2373,7 @@
           <a:bodyPr/>
           <a:lstStyle/>
           <a:p>
-            <a:fld id="{413B4E05-3450-4558-B127-EAE5E429B137}" type="datetimeFigureOut">
+            <a:fld id="{7BDA9888-9CDC-4097-BD08-D5DEB229120F}" type="datetimeFigureOut">
               <a:rPr lang="zh-CN" altLang="en-US" smtClean="0"/>
               <a:t>2024/3/10</a:t>
             </a:fld>
@@ -2386,7 +2386,7 @@
           <p:cNvPr id="6" name="页脚占位符 5">
             <a:extLst>
               <a:ext uri="{FF2B5EF4-FFF2-40B4-BE49-F238E27FC236}">
-                <a16:creationId xmlns:a16="http://schemas.microsoft.com/office/drawing/2014/main" id="{1A2FAA84-D249-7E7A-90AF-BEC7E46A2ABA}"/>
+                <a16:creationId xmlns:a16="http://schemas.microsoft.com/office/drawing/2014/main" id="{746A066B-E5D5-5CD1-6AC8-BC46DA189EDA}"/>
               </a:ext>
             </a:extLst>
           </p:cNvPr>
@@ -2411,7 +2411,7 @@
           <p:cNvPr id="7" name="灯片编号占位符 6">
             <a:extLst>
               <a:ext uri="{FF2B5EF4-FFF2-40B4-BE49-F238E27FC236}">
-                <a16:creationId xmlns:a16="http://schemas.microsoft.com/office/drawing/2014/main" id="{80097E08-058B-508B-27CA-48A85BE7D05F}"/>
+                <a16:creationId xmlns:a16="http://schemas.microsoft.com/office/drawing/2014/main" id="{F46692A1-9BAA-7DF5-D90F-7F0E11A68C5E}"/>
               </a:ext>
             </a:extLst>
           </p:cNvPr>
@@ -2427,7 +2427,7 @@
           <a:bodyPr/>
           <a:lstStyle/>
           <a:p>
-            <a:fld id="{A46C7A86-24A3-4816-ADEA-FAF81C0D26B7}" type="slidenum">
+            <a:fld id="{D49DD641-FD3A-480E-8F6C-F7BC3A83B12F}" type="slidenum">
               <a:rPr lang="zh-CN" altLang="en-US" smtClean="0"/>
               <a:t>‹#›</a:t>
             </a:fld>
@@ -2438,7 +2438,7 @@
     </p:spTree>
     <p:extLst>
       <p:ext uri="{BB962C8B-B14F-4D97-AF65-F5344CB8AC3E}">
-        <p14:creationId xmlns:p14="http://schemas.microsoft.com/office/powerpoint/2010/main" val="3465692983"/>
+        <p14:creationId xmlns:p14="http://schemas.microsoft.com/office/powerpoint/2010/main" val="462949540"/>
       </p:ext>
     </p:extLst>
   </p:cSld>
@@ -2470,7 +2470,7 @@
           <p:cNvPr id="2" name="标题 1">
             <a:extLst>
               <a:ext uri="{FF2B5EF4-FFF2-40B4-BE49-F238E27FC236}">
-                <a16:creationId xmlns:a16="http://schemas.microsoft.com/office/drawing/2014/main" id="{4E22F61B-FCFD-F03A-522F-E3BDBF915307}"/>
+                <a16:creationId xmlns:a16="http://schemas.microsoft.com/office/drawing/2014/main" id="{CBCA710E-01A2-08A6-CFF4-6CD21AF4E377}"/>
               </a:ext>
             </a:extLst>
           </p:cNvPr>
@@ -2507,7 +2507,7 @@
           <p:cNvPr id="3" name="图片占位符 2">
             <a:extLst>
               <a:ext uri="{FF2B5EF4-FFF2-40B4-BE49-F238E27FC236}">
-                <a16:creationId xmlns:a16="http://schemas.microsoft.com/office/drawing/2014/main" id="{48ADAE7A-8A74-6743-2B84-9A260E434685}"/>
+                <a16:creationId xmlns:a16="http://schemas.microsoft.com/office/drawing/2014/main" id="{040C299E-E609-121C-8AED-3618658E42FF}"/>
               </a:ext>
             </a:extLst>
           </p:cNvPr>
@@ -2574,7 +2574,7 @@
           <p:cNvPr id="4" name="文本占位符 3">
             <a:extLst>
               <a:ext uri="{FF2B5EF4-FFF2-40B4-BE49-F238E27FC236}">
-                <a16:creationId xmlns:a16="http://schemas.microsoft.com/office/drawing/2014/main" id="{D780B178-C8F1-4339-B345-83FC6193061E}"/>
+                <a16:creationId xmlns:a16="http://schemas.microsoft.com/office/drawing/2014/main" id="{3027DFF2-DA9C-6971-B3A5-EF3EB8A46E5F}"/>
               </a:ext>
             </a:extLst>
           </p:cNvPr>
@@ -2645,7 +2645,7 @@
           <p:cNvPr id="5" name="日期占位符 4">
             <a:extLst>
               <a:ext uri="{FF2B5EF4-FFF2-40B4-BE49-F238E27FC236}">
-                <a16:creationId xmlns:a16="http://schemas.microsoft.com/office/drawing/2014/main" id="{C425AE2C-921E-5E24-24BF-323369CD2871}"/>
+                <a16:creationId xmlns:a16="http://schemas.microsoft.com/office/drawing/2014/main" id="{B25B8FA2-97C0-54B1-25D0-B8302F138B75}"/>
               </a:ext>
             </a:extLst>
           </p:cNvPr>
@@ -2661,7 +2661,7 @@
           <a:bodyPr/>
           <a:lstStyle/>
           <a:p>
-            <a:fld id="{413B4E05-3450-4558-B127-EAE5E429B137}" type="datetimeFigureOut">
+            <a:fld id="{7BDA9888-9CDC-4097-BD08-D5DEB229120F}" type="datetimeFigureOut">
               <a:rPr lang="zh-CN" altLang="en-US" smtClean="0"/>
               <a:t>2024/3/10</a:t>
             </a:fld>
@@ -2674,7 +2674,7 @@
           <p:cNvPr id="6" name="页脚占位符 5">
             <a:extLst>
               <a:ext uri="{FF2B5EF4-FFF2-40B4-BE49-F238E27FC236}">
-                <a16:creationId xmlns:a16="http://schemas.microsoft.com/office/drawing/2014/main" id="{F9AA9FEC-BE48-BCA0-0600-E1F41FAD80E7}"/>
+                <a16:creationId xmlns:a16="http://schemas.microsoft.com/office/drawing/2014/main" id="{F8D8844C-2784-C6F0-BCA5-8B9C27745EEC}"/>
               </a:ext>
             </a:extLst>
           </p:cNvPr>
@@ -2699,7 +2699,7 @@
           <p:cNvPr id="7" name="灯片编号占位符 6">
             <a:extLst>
               <a:ext uri="{FF2B5EF4-FFF2-40B4-BE49-F238E27FC236}">
-                <a16:creationId xmlns:a16="http://schemas.microsoft.com/office/drawing/2014/main" id="{22E394C0-F040-0226-B436-1498930B91D6}"/>
+                <a16:creationId xmlns:a16="http://schemas.microsoft.com/office/drawing/2014/main" id="{2361264F-6CA0-AF28-7BD4-88CE634E3173}"/>
               </a:ext>
             </a:extLst>
           </p:cNvPr>
@@ -2715,7 +2715,7 @@
           <a:bodyPr/>
           <a:lstStyle/>
           <a:p>
-            <a:fld id="{A46C7A86-24A3-4816-ADEA-FAF81C0D26B7}" type="slidenum">
+            <a:fld id="{D49DD641-FD3A-480E-8F6C-F7BC3A83B12F}" type="slidenum">
               <a:rPr lang="zh-CN" altLang="en-US" smtClean="0"/>
               <a:t>‹#›</a:t>
             </a:fld>
@@ -2726,7 +2726,7 @@
     </p:spTree>
     <p:extLst>
       <p:ext uri="{BB962C8B-B14F-4D97-AF65-F5344CB8AC3E}">
-        <p14:creationId xmlns:p14="http://schemas.microsoft.com/office/powerpoint/2010/main" val="803122036"/>
+        <p14:creationId xmlns:p14="http://schemas.microsoft.com/office/powerpoint/2010/main" val="3800204012"/>
       </p:ext>
     </p:extLst>
   </p:cSld>
@@ -2763,7 +2763,7 @@
           <p:cNvPr id="2" name="标题占位符 1">
             <a:extLst>
               <a:ext uri="{FF2B5EF4-FFF2-40B4-BE49-F238E27FC236}">
-                <a16:creationId xmlns:a16="http://schemas.microsoft.com/office/drawing/2014/main" id="{A2548BA3-5199-65A8-13F9-2A7E6221EC7D}"/>
+                <a16:creationId xmlns:a16="http://schemas.microsoft.com/office/drawing/2014/main" id="{2590D2B2-9169-DF01-ED85-916D57AFBF63}"/>
               </a:ext>
             </a:extLst>
           </p:cNvPr>
@@ -2801,7 +2801,7 @@
           <p:cNvPr id="3" name="文本占位符 2">
             <a:extLst>
               <a:ext uri="{FF2B5EF4-FFF2-40B4-BE49-F238E27FC236}">
-                <a16:creationId xmlns:a16="http://schemas.microsoft.com/office/drawing/2014/main" id="{936E47D7-E060-3005-048C-FFBA119AE7C8}"/>
+                <a16:creationId xmlns:a16="http://schemas.microsoft.com/office/drawing/2014/main" id="{80A1BA60-E626-FE1B-5E12-584AD60844CA}"/>
               </a:ext>
             </a:extLst>
           </p:cNvPr>
@@ -2868,7 +2868,7 @@
           <p:cNvPr id="4" name="日期占位符 3">
             <a:extLst>
               <a:ext uri="{FF2B5EF4-FFF2-40B4-BE49-F238E27FC236}">
-                <a16:creationId xmlns:a16="http://schemas.microsoft.com/office/drawing/2014/main" id="{ED011A1C-EC55-9B84-6B73-A08A3CC4FBA0}"/>
+                <a16:creationId xmlns:a16="http://schemas.microsoft.com/office/drawing/2014/main" id="{C12C1B82-50A2-910F-CA8D-857E96D2B465}"/>
               </a:ext>
             </a:extLst>
           </p:cNvPr>
@@ -2902,7 +2902,7 @@
             </a:lvl1pPr>
           </a:lstStyle>
           <a:p>
-            <a:fld id="{413B4E05-3450-4558-B127-EAE5E429B137}" type="datetimeFigureOut">
+            <a:fld id="{7BDA9888-9CDC-4097-BD08-D5DEB229120F}" type="datetimeFigureOut">
               <a:rPr lang="zh-CN" altLang="en-US" smtClean="0"/>
               <a:t>2024/3/10</a:t>
             </a:fld>
@@ -2915,7 +2915,7 @@
           <p:cNvPr id="5" name="页脚占位符 4">
             <a:extLst>
               <a:ext uri="{FF2B5EF4-FFF2-40B4-BE49-F238E27FC236}">
-                <a16:creationId xmlns:a16="http://schemas.microsoft.com/office/drawing/2014/main" id="{B4FFF7C8-037F-6FAA-8B24-9EF6A05D5F96}"/>
+                <a16:creationId xmlns:a16="http://schemas.microsoft.com/office/drawing/2014/main" id="{78242437-98DB-D460-5F1A-1B784026A39F}"/>
               </a:ext>
             </a:extLst>
           </p:cNvPr>
@@ -2958,7 +2958,7 @@
           <p:cNvPr id="6" name="灯片编号占位符 5">
             <a:extLst>
               <a:ext uri="{FF2B5EF4-FFF2-40B4-BE49-F238E27FC236}">
-                <a16:creationId xmlns:a16="http://schemas.microsoft.com/office/drawing/2014/main" id="{209453BF-0F86-6ED8-85DB-69732ECB06AB}"/>
+                <a16:creationId xmlns:a16="http://schemas.microsoft.com/office/drawing/2014/main" id="{8D5183B2-A732-E021-7F90-6570E08DB789}"/>
               </a:ext>
             </a:extLst>
           </p:cNvPr>
@@ -2992,7 +2992,7 @@
             </a:lvl1pPr>
           </a:lstStyle>
           <a:p>
-            <a:fld id="{A46C7A86-24A3-4816-ADEA-FAF81C0D26B7}" type="slidenum">
+            <a:fld id="{D49DD641-FD3A-480E-8F6C-F7BC3A83B12F}" type="slidenum">
               <a:rPr lang="zh-CN" altLang="en-US" smtClean="0"/>
               <a:t>‹#›</a:t>
             </a:fld>
@@ -3003,7 +3003,7 @@
     </p:spTree>
     <p:extLst>
       <p:ext uri="{BB962C8B-B14F-4D97-AF65-F5344CB8AC3E}">
-        <p14:creationId xmlns:p14="http://schemas.microsoft.com/office/powerpoint/2010/main" val="1508525040"/>
+        <p14:creationId xmlns:p14="http://schemas.microsoft.com/office/powerpoint/2010/main" val="2575653827"/>
       </p:ext>
     </p:extLst>
   </p:cSld>
@@ -3323,7 +3323,7 @@
       </p:grpSpPr>
       <p:pic>
         <p:nvPicPr>
-          <p:cNvPr id="1193986" name="Picture 2" descr="1165"/>
+          <p:cNvPr id="1195010" name="Picture 2" descr="1166"/>
           <p:cNvPicPr>
             <a:picLocks noChangeAspect="1" noChangeArrowheads="1"/>
           </p:cNvPicPr>
@@ -3345,7 +3345,7 @@
         <p:spPr bwMode="auto">
           <a:xfrm>
             <a:off x="1524000" y="0"/>
-            <a:ext cx="9144000" cy="6789738"/>
+            <a:ext cx="9144000" cy="6858000"/>
           </a:xfrm>
           <a:prstGeom prst="rect">
             <a:avLst/>
